--- a/powerpoint/Session1.pptx
+++ b/powerpoint/Session1.pptx
@@ -145,8 +145,70 @@
 </p:presentation>
 </file>
 
+<file path=ppt/revisionInfo.xml><?xml version="1.0" encoding="utf-8"?>
+<p1510:revInfo xmlns:a="http://schemas.openxmlformats.org/drawingml/2006/main" xmlns:r="http://schemas.openxmlformats.org/officeDocument/2006/relationships" xmlns:p1510="http://schemas.microsoft.com/office/powerpoint/2015/10/main">
+  <p1510:revLst>
+    <p1510:client id="{F1BFABF0-9E15-5D47-AA9D-04E3006A2A7E}" v="1" dt="2024-06-10T21:52:47.110"/>
+  </p1510:revLst>
+</p1510:revInfo>
+</file>
+
 <file path=ppt/changesInfos/changesInfo1.xml><?xml version="1.0" encoding="utf-8"?>
 <pc:chgInfo xmlns:a="http://schemas.openxmlformats.org/drawingml/2006/main" xmlns:r="http://schemas.openxmlformats.org/officeDocument/2006/relationships" xmlns:ac="http://schemas.microsoft.com/office/drawing/2013/main/command" xmlns:pc="http://schemas.microsoft.com/office/powerpoint/2013/main/command">
+  <pc:docChgLst>
+    <pc:chgData name="Srinivasa Rao" userId="a6b54366-f13d-4292-8bb4-f06c50909b1e" providerId="ADAL" clId="{F1BFABF0-9E15-5D47-AA9D-04E3006A2A7E}"/>
+    <pc:docChg chg="modSld">
+      <pc:chgData name="Srinivasa Rao" userId="a6b54366-f13d-4292-8bb4-f06c50909b1e" providerId="ADAL" clId="{F1BFABF0-9E15-5D47-AA9D-04E3006A2A7E}" dt="2024-06-10T21:52:47.099" v="15" actId="20577"/>
+      <pc:docMkLst>
+        <pc:docMk/>
+      </pc:docMkLst>
+      <pc:sldChg chg="modSp mod">
+        <pc:chgData name="Srinivasa Rao" userId="a6b54366-f13d-4292-8bb4-f06c50909b1e" providerId="ADAL" clId="{F1BFABF0-9E15-5D47-AA9D-04E3006A2A7E}" dt="2024-06-10T21:52:25.601" v="6" actId="20577"/>
+        <pc:sldMkLst>
+          <pc:docMk/>
+          <pc:sldMk cId="0" sldId="256"/>
+        </pc:sldMkLst>
+        <pc:spChg chg="mod">
+          <ac:chgData name="Srinivasa Rao" userId="a6b54366-f13d-4292-8bb4-f06c50909b1e" providerId="ADAL" clId="{F1BFABF0-9E15-5D47-AA9D-04E3006A2A7E}" dt="2024-06-10T21:52:25.601" v="6" actId="20577"/>
+          <ac:spMkLst>
+            <pc:docMk/>
+            <pc:sldMk cId="0" sldId="256"/>
+            <ac:spMk id="229" creationId="{00000000-0000-0000-0000-000000000000}"/>
+          </ac:spMkLst>
+        </pc:spChg>
+      </pc:sldChg>
+      <pc:sldChg chg="modSp mod">
+        <pc:chgData name="Srinivasa Rao" userId="a6b54366-f13d-4292-8bb4-f06c50909b1e" providerId="ADAL" clId="{F1BFABF0-9E15-5D47-AA9D-04E3006A2A7E}" dt="2024-06-10T21:52:47.099" v="15" actId="20577"/>
+        <pc:sldMkLst>
+          <pc:docMk/>
+          <pc:sldMk cId="0" sldId="257"/>
+        </pc:sldMkLst>
+        <pc:spChg chg="mod">
+          <ac:chgData name="Srinivasa Rao" userId="a6b54366-f13d-4292-8bb4-f06c50909b1e" providerId="ADAL" clId="{F1BFABF0-9E15-5D47-AA9D-04E3006A2A7E}" dt="2024-06-10T21:52:47.099" v="15" actId="20577"/>
+          <ac:spMkLst>
+            <pc:docMk/>
+            <pc:sldMk cId="0" sldId="257"/>
+            <ac:spMk id="230" creationId="{00000000-0000-0000-0000-000000000000}"/>
+          </ac:spMkLst>
+        </pc:spChg>
+      </pc:sldChg>
+      <pc:sldChg chg="modSp mod">
+        <pc:chgData name="Srinivasa Rao" userId="a6b54366-f13d-4292-8bb4-f06c50909b1e" providerId="ADAL" clId="{F1BFABF0-9E15-5D47-AA9D-04E3006A2A7E}" dt="2024-06-10T21:52:31.561" v="13" actId="20577"/>
+        <pc:sldMkLst>
+          <pc:docMk/>
+          <pc:sldMk cId="55516250" sldId="285"/>
+        </pc:sldMkLst>
+        <pc:spChg chg="mod">
+          <ac:chgData name="Srinivasa Rao" userId="a6b54366-f13d-4292-8bb4-f06c50909b1e" providerId="ADAL" clId="{F1BFABF0-9E15-5D47-AA9D-04E3006A2A7E}" dt="2024-06-10T21:52:31.561" v="13" actId="20577"/>
+          <ac:spMkLst>
+            <pc:docMk/>
+            <pc:sldMk cId="55516250" sldId="285"/>
+            <ac:spMk id="229" creationId="{00000000-0000-0000-0000-000000000000}"/>
+          </ac:spMkLst>
+        </pc:spChg>
+      </pc:sldChg>
+    </pc:docChg>
+  </pc:docChgLst>
   <pc:docChgLst>
     <pc:chgData name="Srinivasa Rao" userId="a6b54366-f13d-4292-8bb4-f06c50909b1e" providerId="ADAL" clId="{6B9E06D8-20C2-D848-A103-87A0E5BBED98}"/>
     <pc:docChg chg="custSel addSld delSld modSld sldOrd">
@@ -20215,7 +20277,7 @@
                 <a:latin typeface="Calibri"/>
                 <a:ea typeface="DejaVu Sans"/>
               </a:rPr>
-              <a:t>Hilary 2024</a:t>
+              <a:t>Trinity 2024</a:t>
             </a:r>
             <a:endParaRPr lang="en-GB" sz="3200" b="0" strike="noStrike" spc="-1" dirty="0">
               <a:latin typeface="Arial"/>
@@ -30356,14 +30418,14 @@
               </a:tabLst>
             </a:pPr>
             <a:r>
-              <a:rPr lang="en-US" sz="3200" b="0" strike="noStrike" spc="-1">
+              <a:rPr lang="en-US" sz="3200" b="0" strike="noStrike" spc="-1" dirty="0">
                 <a:solidFill>
                   <a:srgbClr val="8B8B8B"/>
                 </a:solidFill>
                 <a:latin typeface="Calibri"/>
                 <a:ea typeface="DejaVu Sans"/>
               </a:rPr>
-              <a:t>Hilary 2024</a:t>
+              <a:t>Trinity 2024</a:t>
             </a:r>
             <a:endParaRPr lang="en-GB" sz="3200" b="0" strike="noStrike" spc="-1" dirty="0">
               <a:latin typeface="Arial"/>
@@ -45172,7 +45234,7 @@
                 <a:latin typeface="Calibri"/>
                 <a:hlinkClick r:id="rId2"/>
               </a:rPr>
-              <a:t>/MSD_R_course_HT2024</a:t>
+              <a:t>/MSD_R_course_TT2024_2</a:t>
             </a:r>
             <a:r>
               <a:rPr lang="en-US" sz="3600" spc="-1">
